--- a/cdn/blog/2019/06/dynamodb-accessing-layer.pptx
+++ b/cdn/blog/2019/06/dynamodb-accessing-layer.pptx
@@ -104,6 +104,11 @@
       </a:defRPr>
     </a:lvl9pPr>
   </p:defaultTextStyle>
+  <p:extLst>
+    <p:ext uri="{EFAFB233-063F-42B5-8137-9DF3F51BA10A}">
+      <p15:sldGuideLst xmlns:p15="http://schemas.microsoft.com/office/powerpoint/2012/main"/>
+    </p:ext>
+  </p:extLst>
 </p:presentation>
 </file>
 
@@ -238,7 +243,7 @@
           <a:p>
             <a:fld id="{29AD6F2E-40B5-0E4F-84A6-839612FBA76B}" type="datetimeFigureOut">
               <a:rPr lang="en-US" smtClean="0"/>
-              <a:t>6/3/19</a:t>
+              <a:t>6/13/19</a:t>
             </a:fld>
             <a:endParaRPr lang="en-US"/>
           </a:p>
@@ -408,7 +413,7 @@
           <a:p>
             <a:fld id="{29AD6F2E-40B5-0E4F-84A6-839612FBA76B}" type="datetimeFigureOut">
               <a:rPr lang="en-US" smtClean="0"/>
-              <a:t>6/3/19</a:t>
+              <a:t>6/13/19</a:t>
             </a:fld>
             <a:endParaRPr lang="en-US"/>
           </a:p>
@@ -588,7 +593,7 @@
           <a:p>
             <a:fld id="{29AD6F2E-40B5-0E4F-84A6-839612FBA76B}" type="datetimeFigureOut">
               <a:rPr lang="en-US" smtClean="0"/>
-              <a:t>6/3/19</a:t>
+              <a:t>6/13/19</a:t>
             </a:fld>
             <a:endParaRPr lang="en-US"/>
           </a:p>
@@ -758,7 +763,7 @@
           <a:p>
             <a:fld id="{29AD6F2E-40B5-0E4F-84A6-839612FBA76B}" type="datetimeFigureOut">
               <a:rPr lang="en-US" smtClean="0"/>
-              <a:t>6/3/19</a:t>
+              <a:t>6/13/19</a:t>
             </a:fld>
             <a:endParaRPr lang="en-US"/>
           </a:p>
@@ -1002,7 +1007,7 @@
           <a:p>
             <a:fld id="{29AD6F2E-40B5-0E4F-84A6-839612FBA76B}" type="datetimeFigureOut">
               <a:rPr lang="en-US" smtClean="0"/>
-              <a:t>6/3/19</a:t>
+              <a:t>6/13/19</a:t>
             </a:fld>
             <a:endParaRPr lang="en-US"/>
           </a:p>
@@ -1234,7 +1239,7 @@
           <a:p>
             <a:fld id="{29AD6F2E-40B5-0E4F-84A6-839612FBA76B}" type="datetimeFigureOut">
               <a:rPr lang="en-US" smtClean="0"/>
-              <a:t>6/3/19</a:t>
+              <a:t>6/13/19</a:t>
             </a:fld>
             <a:endParaRPr lang="en-US"/>
           </a:p>
@@ -1601,7 +1606,7 @@
           <a:p>
             <a:fld id="{29AD6F2E-40B5-0E4F-84A6-839612FBA76B}" type="datetimeFigureOut">
               <a:rPr lang="en-US" smtClean="0"/>
-              <a:t>6/3/19</a:t>
+              <a:t>6/13/19</a:t>
             </a:fld>
             <a:endParaRPr lang="en-US"/>
           </a:p>
@@ -1719,7 +1724,7 @@
           <a:p>
             <a:fld id="{29AD6F2E-40B5-0E4F-84A6-839612FBA76B}" type="datetimeFigureOut">
               <a:rPr lang="en-US" smtClean="0"/>
-              <a:t>6/3/19</a:t>
+              <a:t>6/13/19</a:t>
             </a:fld>
             <a:endParaRPr lang="en-US"/>
           </a:p>
@@ -1814,7 +1819,7 @@
           <a:p>
             <a:fld id="{29AD6F2E-40B5-0E4F-84A6-839612FBA76B}" type="datetimeFigureOut">
               <a:rPr lang="en-US" smtClean="0"/>
-              <a:t>6/3/19</a:t>
+              <a:t>6/13/19</a:t>
             </a:fld>
             <a:endParaRPr lang="en-US"/>
           </a:p>
@@ -2091,7 +2096,7 @@
           <a:p>
             <a:fld id="{29AD6F2E-40B5-0E4F-84A6-839612FBA76B}" type="datetimeFigureOut">
               <a:rPr lang="en-US" smtClean="0"/>
-              <a:t>6/3/19</a:t>
+              <a:t>6/13/19</a:t>
             </a:fld>
             <a:endParaRPr lang="en-US"/>
           </a:p>
@@ -2348,7 +2353,7 @@
           <a:p>
             <a:fld id="{29AD6F2E-40B5-0E4F-84A6-839612FBA76B}" type="datetimeFigureOut">
               <a:rPr lang="en-US" smtClean="0"/>
-              <a:t>6/3/19</a:t>
+              <a:t>6/13/19</a:t>
             </a:fld>
             <a:endParaRPr lang="en-US"/>
           </a:p>
@@ -2561,7 +2566,7 @@
           <a:p>
             <a:fld id="{29AD6F2E-40B5-0E4F-84A6-839612FBA76B}" type="datetimeFigureOut">
               <a:rPr lang="en-US" smtClean="0"/>
-              <a:t>6/3/19</a:t>
+              <a:t>6/13/19</a:t>
             </a:fld>
             <a:endParaRPr lang="en-US"/>
           </a:p>
@@ -3271,7 +3276,35 @@
                 <a:latin typeface="BM HANNA Air" panose="020B0600000101010101" pitchFamily="34" charset="-127"/>
                 <a:ea typeface="BM HANNA Air" panose="020B0600000101010101" pitchFamily="34" charset="-127"/>
               </a:rPr>
-              <a:t>(ORM)</a:t>
+              <a:t>(</a:t>
+            </a:r>
+            <a:r>
+              <a:rPr lang="ko-KR" altLang="en-US" dirty="0">
+                <a:latin typeface="BM HANNA Air" panose="020B0600000101010101" pitchFamily="34" charset="-127"/>
+                <a:ea typeface="BM HANNA Air" panose="020B0600000101010101" pitchFamily="34" charset="-127"/>
+              </a:rPr>
+              <a:t>객체</a:t>
+            </a:r>
+            <a:r>
+              <a:rPr lang="en-US" altLang="ko-KR" dirty="0">
+                <a:latin typeface="BM HANNA Air" panose="020B0600000101010101" pitchFamily="34" charset="-127"/>
+                <a:ea typeface="BM HANNA Air" panose="020B0600000101010101" pitchFamily="34" charset="-127"/>
+              </a:rPr>
+              <a:t>-</a:t>
+            </a:r>
+            <a:r>
+              <a:rPr lang="ko-KR" altLang="en-US" dirty="0">
+                <a:latin typeface="BM HANNA Air" panose="020B0600000101010101" pitchFamily="34" charset="-127"/>
+                <a:ea typeface="BM HANNA Air" panose="020B0600000101010101" pitchFamily="34" charset="-127"/>
+              </a:rPr>
+              <a:t>테이블 매핑</a:t>
+            </a:r>
+            <a:r>
+              <a:rPr lang="en-US" altLang="ko-KR" dirty="0">
+                <a:latin typeface="BM HANNA Air" panose="020B0600000101010101" pitchFamily="34" charset="-127"/>
+                <a:ea typeface="BM HANNA Air" panose="020B0600000101010101" pitchFamily="34" charset="-127"/>
+              </a:rPr>
+              <a:t>)</a:t>
             </a:r>
             <a:endParaRPr lang="en-US" dirty="0">
               <a:latin typeface="BM HANNA Air" panose="020B0600000101010101" pitchFamily="34" charset="-127"/>
@@ -3447,7 +3480,7 @@
         <p:spPr>
           <a:xfrm>
             <a:off x="910810" y="1520827"/>
-            <a:ext cx="2902782" cy="369332"/>
+            <a:ext cx="2864759" cy="369332"/>
           </a:xfrm>
           <a:prstGeom prst="rect">
             <a:avLst/>
@@ -3467,21 +3500,7 @@
                 <a:latin typeface="BM HANNA Air" panose="020B0600000101010101" pitchFamily="34" charset="-127"/>
                 <a:ea typeface="BM HANNA Air" panose="020B0600000101010101" pitchFamily="34" charset="-127"/>
               </a:rPr>
-              <a:t>AWS Java </a:t>
-            </a:r>
-            <a:r>
-              <a:rPr lang="en-US" dirty="0" err="1">
-                <a:latin typeface="BM HANNA Air" panose="020B0600000101010101" pitchFamily="34" charset="-127"/>
-                <a:ea typeface="BM HANNA Air" panose="020B0600000101010101" pitchFamily="34" charset="-127"/>
-              </a:rPr>
-              <a:t>Dynamodb</a:t>
-            </a:r>
-            <a:r>
-              <a:rPr lang="en-US" dirty="0">
-                <a:latin typeface="BM HANNA Air" panose="020B0600000101010101" pitchFamily="34" charset="-127"/>
-                <a:ea typeface="BM HANNA Air" panose="020B0600000101010101" pitchFamily="34" charset="-127"/>
-              </a:rPr>
-              <a:t> SDK</a:t>
+              <a:t>AWS Java DynamoDB SDK</a:t>
             </a:r>
           </a:p>
         </p:txBody>
